--- a/WSN/时钟同步(1).pptx
+++ b/WSN/时钟同步(1).pptx
@@ -784,7 +784,184 @@
           <a:bodyPr/>
           <a:lstStyle/>
           <a:p>
-            <a:endParaRPr lang="en-US" altLang="zh-CN" b="0" dirty="0"/>
+            <a:r>
+              <a:rPr lang="en-US" altLang="zh-CN" b="0" dirty="0"/>
+              <a:t>1.</a:t>
+            </a:r>
+            <a:r>
+              <a:rPr lang="zh-CN" altLang="en-US" b="0" dirty="0"/>
+              <a:t>也就是说</a:t>
+            </a:r>
+            <a:r>
+              <a:rPr lang="en-US" altLang="zh-CN" b="0" dirty="0"/>
+              <a:t> </a:t>
+            </a:r>
+            <a:r>
+              <a:rPr lang="zh-CN" altLang="en-US" b="0" dirty="0"/>
+              <a:t>如果机器</a:t>
+            </a:r>
+            <a:r>
+              <a:rPr lang="en-US" altLang="zh-CN" b="0" dirty="0"/>
+              <a:t>p</a:t>
+            </a:r>
+            <a:r>
+              <a:rPr lang="zh-CN" altLang="en-US" b="0" dirty="0"/>
+              <a:t>的时钟他的函数表达式等于</a:t>
+            </a:r>
+            <a:r>
+              <a:rPr lang="en-US" altLang="zh-CN" b="0" dirty="0"/>
+              <a:t>t </a:t>
+            </a:r>
+            <a:r>
+              <a:rPr lang="zh-CN" altLang="en-US" b="0" dirty="0"/>
+              <a:t>那么这个机器</a:t>
+            </a:r>
+            <a:r>
+              <a:rPr lang="en-US" altLang="zh-CN" b="0" dirty="0"/>
+              <a:t>p</a:t>
+            </a:r>
+            <a:r>
+              <a:rPr lang="zh-CN" altLang="en-US" b="0" dirty="0"/>
+              <a:t>他的时钟是一个完美时钟</a:t>
+            </a:r>
+            <a:r>
+              <a:rPr lang="en-US" altLang="zh-CN" b="0" dirty="0"/>
+              <a:t> </a:t>
+            </a:r>
+            <a:r>
+              <a:rPr lang="zh-CN" altLang="en-US" b="0" dirty="0"/>
+              <a:t>但是很多情况下时钟的函数表达式是不等于</a:t>
+            </a:r>
+            <a:r>
+              <a:rPr lang="en-US" altLang="zh-CN" b="0" dirty="0"/>
+              <a:t>t</a:t>
+            </a:r>
+            <a:r>
+              <a:rPr lang="zh-CN" altLang="en-US" b="0" dirty="0"/>
+              <a:t>的</a:t>
+            </a:r>
+            <a:endParaRPr lang="zh-CN" altLang="en-US" b="0" dirty="0"/>
+          </a:p>
+          <a:p>
+            <a:r>
+              <a:rPr lang="zh-CN" altLang="en-US" b="0" dirty="0"/>
+              <a:t>可能会带一些误差项</a:t>
+            </a:r>
+            <a:r>
+              <a:rPr lang="en-US" altLang="zh-CN" b="0" dirty="0"/>
+              <a:t> </a:t>
+            </a:r>
+            <a:r>
+              <a:rPr lang="zh-CN" altLang="en-US" b="0" dirty="0"/>
+              <a:t>也就是说和标准时间存在一些</a:t>
+            </a:r>
+            <a:r>
+              <a:rPr lang="zh-CN" altLang="en-US" b="0" dirty="0"/>
+              <a:t>偏差</a:t>
+            </a:r>
+            <a:endParaRPr lang="zh-CN" altLang="en-US" b="0" dirty="0"/>
+          </a:p>
+          <a:p>
+            <a:r>
+              <a:rPr lang="en-US" altLang="zh-CN" b="0" dirty="0"/>
+              <a:t>2.</a:t>
+            </a:r>
+            <a:r>
+              <a:rPr lang="zh-CN" altLang="en-US" b="0" dirty="0"/>
+              <a:t>也就是</a:t>
+            </a:r>
+            <a:r>
+              <a:rPr lang="en-US" altLang="zh-CN" b="0" dirty="0"/>
+              <a:t>cp(t)</a:t>
+            </a:r>
+            <a:r>
+              <a:rPr lang="zh-CN" altLang="en-US" b="0" dirty="0"/>
+              <a:t>这个函数在</a:t>
+            </a:r>
+            <a:r>
+              <a:rPr lang="en-US" altLang="zh-CN" b="0" dirty="0"/>
+              <a:t>t</a:t>
+            </a:r>
+            <a:r>
+              <a:rPr lang="zh-CN" altLang="en-US" b="0" dirty="0"/>
+              <a:t>点的一个导数</a:t>
+            </a:r>
+            <a:r>
+              <a:rPr lang="en-US" altLang="zh-CN" b="0" dirty="0"/>
+              <a:t> </a:t>
+            </a:r>
+            <a:r>
+              <a:rPr lang="zh-CN" altLang="en-US" b="0" dirty="0"/>
+              <a:t>反映了在</a:t>
+            </a:r>
+            <a:r>
+              <a:rPr lang="en-US" altLang="zh-CN" b="0" dirty="0"/>
+              <a:t>t</a:t>
+            </a:r>
+            <a:r>
+              <a:rPr lang="zh-CN" altLang="en-US" b="0" dirty="0"/>
+              <a:t>点的一个</a:t>
+            </a:r>
+            <a:r>
+              <a:rPr lang="zh-CN" altLang="en-US" b="0" dirty="0"/>
+              <a:t>变化率</a:t>
+            </a:r>
+            <a:endParaRPr lang="zh-CN" altLang="en-US" b="0" dirty="0"/>
+          </a:p>
+          <a:p>
+            <a:r>
+              <a:rPr lang="en-US" altLang="zh-CN" b="0" dirty="0"/>
+              <a:t>3.</a:t>
+            </a:r>
+            <a:r>
+              <a:rPr lang="zh-CN" altLang="en-US" b="0" dirty="0"/>
+              <a:t>偏移量也比较好理解</a:t>
+            </a:r>
+            <a:r>
+              <a:rPr lang="en-US" altLang="zh-CN" b="0" dirty="0"/>
+              <a:t> </a:t>
+            </a:r>
+            <a:r>
+              <a:rPr lang="zh-CN" altLang="en-US" b="0" dirty="0"/>
+              <a:t>如果说机器对应的时钟是一个完美时钟的话那显然</a:t>
+            </a:r>
+            <a:r>
+              <a:rPr lang="en-US" altLang="zh-CN" b="0" dirty="0"/>
+              <a:t>cp(t)-t</a:t>
+            </a:r>
+            <a:r>
+              <a:rPr lang="zh-CN" altLang="en-US" b="0" dirty="0"/>
+              <a:t>等于</a:t>
+            </a:r>
+            <a:r>
+              <a:rPr lang="en-US" altLang="zh-CN" b="0" dirty="0"/>
+              <a:t>0 </a:t>
+            </a:r>
+            <a:r>
+              <a:rPr lang="zh-CN" altLang="en-US" b="0" dirty="0"/>
+              <a:t>也就是偏移为</a:t>
+            </a:r>
+            <a:r>
+              <a:rPr lang="en-US" altLang="zh-CN" b="0" dirty="0"/>
+              <a:t>0 </a:t>
+            </a:r>
+            <a:r>
+              <a:rPr lang="zh-CN" altLang="en-US" b="0" dirty="0"/>
+              <a:t>反过来说如果偏移不为</a:t>
+            </a:r>
+            <a:r>
+              <a:rPr lang="en-US" altLang="zh-CN" b="0" dirty="0"/>
+              <a:t>0</a:t>
+            </a:r>
+            <a:r>
+              <a:rPr lang="zh-CN" altLang="en-US" b="0" dirty="0"/>
+              <a:t>那说明对应的时钟存在</a:t>
+            </a:r>
+            <a:r>
+              <a:rPr lang="zh-CN" altLang="en-US" b="0" dirty="0"/>
+              <a:t>误差</a:t>
+            </a:r>
+            <a:endParaRPr lang="zh-CN" altLang="en-US" b="0" dirty="0"/>
           </a:p>
         </p:txBody>
       </p:sp>
@@ -1008,6 +1185,123 @@
           <a:bodyPr/>
           <a:lstStyle/>
           <a:p>
+            <a:r>
+              <a:rPr lang="zh-CN" altLang="en-US" b="0" dirty="0"/>
+              <a:t>第一个方法是远程读钟</a:t>
+            </a:r>
+            <a:r>
+              <a:rPr lang="zh-CN" altLang="en-US" b="0" dirty="0"/>
+              <a:t>法</a:t>
+            </a:r>
+            <a:endParaRPr lang="zh-CN" altLang="en-US" b="0" dirty="0"/>
+          </a:p>
+          <a:p>
+            <a:r>
+              <a:rPr lang="zh-CN" altLang="en-US" b="0" dirty="0"/>
+              <a:t>首先在</a:t>
+            </a:r>
+            <a:r>
+              <a:rPr lang="en-US" altLang="zh-CN" b="0" dirty="0"/>
+              <a:t>T0</a:t>
+            </a:r>
+            <a:r>
+              <a:rPr lang="zh-CN" altLang="en-US" b="0" dirty="0"/>
+              <a:t>时间点</a:t>
+            </a:r>
+            <a:r>
+              <a:rPr lang="en-US" altLang="zh-CN" b="0" dirty="0"/>
+              <a:t> </a:t>
+            </a:r>
+            <a:r>
+              <a:rPr lang="zh-CN" altLang="en-US" b="0" dirty="0"/>
+              <a:t>客户端向服务器发送一个</a:t>
+            </a:r>
+            <a:r>
+              <a:rPr lang="en-US" altLang="zh-CN" b="0" dirty="0"/>
+              <a:t>Request </a:t>
+            </a:r>
+            <a:r>
+              <a:rPr lang="zh-CN" altLang="en-US" b="0" dirty="0"/>
+              <a:t>向服务器请求时间，然后在很短的一段时间后</a:t>
+            </a:r>
+            <a:r>
+              <a:rPr lang="en-US" altLang="zh-CN" b="0" dirty="0"/>
+              <a:t> </a:t>
+            </a:r>
+            <a:r>
+              <a:rPr lang="zh-CN" altLang="en-US" b="0" dirty="0"/>
+              <a:t>客户端响应了这个请求</a:t>
+            </a:r>
+            <a:r>
+              <a:rPr lang="en-US" altLang="zh-CN" b="0" dirty="0"/>
+              <a:t> </a:t>
+            </a:r>
+            <a:r>
+              <a:rPr lang="zh-CN" altLang="en-US" b="0" dirty="0"/>
+              <a:t>然后返回了一个消息</a:t>
+            </a:r>
+            <a:r>
+              <a:rPr lang="en-US" altLang="zh-CN" b="0" dirty="0"/>
+              <a:t> </a:t>
+            </a:r>
+            <a:endParaRPr lang="en-US" altLang="zh-CN" b="0" dirty="0"/>
+          </a:p>
+          <a:p>
+            <a:r>
+              <a:rPr lang="zh-CN" altLang="en-US" b="0" dirty="0"/>
+              <a:t>这个消息记录了服务器端向客户端发送请求时</a:t>
+            </a:r>
+            <a:r>
+              <a:rPr lang="en-US" altLang="zh-CN" b="0" dirty="0"/>
+              <a:t> </a:t>
+            </a:r>
+            <a:r>
+              <a:rPr lang="zh-CN" altLang="en-US" b="0" dirty="0"/>
+              <a:t>服务端的一个本地时间</a:t>
+            </a:r>
+            <a:r>
+              <a:rPr lang="en-US" altLang="zh-CN" b="0" dirty="0"/>
+              <a:t> </a:t>
+            </a:r>
+            <a:r>
+              <a:rPr lang="zh-CN" altLang="en-US" b="0" dirty="0"/>
+              <a:t>然后</a:t>
+            </a:r>
+            <a:r>
+              <a:rPr lang="en-US" altLang="zh-CN" b="0" dirty="0"/>
+              <a:t> </a:t>
+            </a:r>
+            <a:r>
+              <a:rPr lang="zh-CN" altLang="en-US" b="0" dirty="0"/>
+              <a:t>客户端在本地时间</a:t>
+            </a:r>
+            <a:r>
+              <a:rPr lang="en-US" altLang="zh-CN" b="0" dirty="0"/>
+              <a:t>T1</a:t>
+            </a:r>
+            <a:r>
+              <a:rPr lang="zh-CN" altLang="en-US" b="0" dirty="0"/>
+              <a:t>时接收到了</a:t>
+            </a:r>
+            <a:r>
+              <a:rPr lang="zh-CN" altLang="en-US" b="0" dirty="0"/>
+              <a:t>消息</a:t>
+            </a:r>
+            <a:endParaRPr lang="zh-CN" altLang="en-US" b="0" dirty="0"/>
+          </a:p>
+          <a:p>
+            <a:r>
+              <a:rPr lang="zh-CN" altLang="en-US" b="0" dirty="0"/>
+              <a:t>此时客户端将自己的本地时钟设为</a:t>
+            </a:r>
+            <a:r>
+              <a:rPr lang="en-US" altLang="zh-CN" b="0" dirty="0"/>
+              <a:t>Stime + (T1-</a:t>
+            </a:r>
+            <a:r>
+              <a:rPr lang="en-US" altLang="zh-CN" b="0" dirty="0"/>
+              <a:t>T0)/2</a:t>
+            </a:r>
             <a:endParaRPr lang="en-US" altLang="zh-CN" b="0" dirty="0"/>
           </a:p>
         </p:txBody>
@@ -1120,6 +1414,137 @@
           <a:bodyPr/>
           <a:lstStyle/>
           <a:p>
+            <a:r>
+              <a:rPr lang="en-US" altLang="zh-CN" b="0" dirty="0"/>
+              <a:t>M</a:t>
+            </a:r>
+            <a:r>
+              <a:rPr lang="zh-CN" altLang="en-US" b="0" dirty="0"/>
+              <a:t>节点向</a:t>
+            </a:r>
+            <a:r>
+              <a:rPr lang="en-US" altLang="zh-CN" b="0" dirty="0"/>
+              <a:t>S</a:t>
+            </a:r>
+            <a:r>
+              <a:rPr lang="zh-CN" altLang="en-US" b="0" dirty="0"/>
+              <a:t>节点发送一系列同步信息</a:t>
+            </a:r>
+            <a:r>
+              <a:rPr lang="en-US" altLang="zh-CN" b="0" dirty="0"/>
+              <a:t> </a:t>
+            </a:r>
+            <a:r>
+              <a:rPr lang="zh-CN" altLang="en-US" b="0" dirty="0"/>
+              <a:t>第</a:t>
+            </a:r>
+            <a:r>
+              <a:rPr lang="en-US" altLang="zh-CN" b="0" dirty="0"/>
+              <a:t>i</a:t>
+            </a:r>
+            <a:r>
+              <a:rPr lang="zh-CN" altLang="en-US" b="0" dirty="0"/>
+              <a:t>个信息是在</a:t>
+            </a:r>
+            <a:r>
+              <a:rPr lang="en-US" altLang="zh-CN" b="0" dirty="0"/>
+              <a:t>Ti</a:t>
+            </a:r>
+            <a:r>
+              <a:rPr lang="zh-CN" altLang="en-US" b="0" dirty="0"/>
+              <a:t>时间由</a:t>
+            </a:r>
+            <a:r>
+              <a:rPr lang="en-US" altLang="zh-CN" b="0" dirty="0"/>
+              <a:t>M</a:t>
+            </a:r>
+            <a:r>
+              <a:rPr lang="zh-CN" altLang="en-US" b="0" dirty="0"/>
+              <a:t>发送的</a:t>
+            </a:r>
+            <a:r>
+              <a:rPr lang="en-US" altLang="zh-CN" b="0" dirty="0"/>
+              <a:t>(Ti</a:t>
+            </a:r>
+            <a:r>
+              <a:rPr lang="zh-CN" altLang="en-US" b="0" dirty="0"/>
+              <a:t>为</a:t>
+            </a:r>
+            <a:r>
+              <a:rPr lang="en-US" altLang="zh-CN" b="0" dirty="0"/>
+              <a:t>M</a:t>
+            </a:r>
+            <a:r>
+              <a:rPr lang="zh-CN" altLang="en-US" b="0" dirty="0"/>
+              <a:t>的本地时钟</a:t>
+            </a:r>
+            <a:r>
+              <a:rPr lang="en-US" altLang="zh-CN" b="0" dirty="0"/>
+              <a:t>) </a:t>
+            </a:r>
+            <a:r>
+              <a:rPr lang="zh-CN" altLang="en-US" b="0" dirty="0"/>
+              <a:t>并且是在</a:t>
+            </a:r>
+            <a:r>
+              <a:rPr lang="en-US" altLang="zh-CN" b="0" dirty="0"/>
+              <a:t>Ri</a:t>
+            </a:r>
+            <a:r>
+              <a:rPr lang="zh-CN" altLang="en-US" b="0" dirty="0"/>
+              <a:t>时间由</a:t>
+            </a:r>
+            <a:r>
+              <a:rPr lang="en-US" altLang="zh-CN" b="0" dirty="0"/>
+              <a:t>S</a:t>
+            </a:r>
+            <a:r>
+              <a:rPr lang="zh-CN" altLang="en-US" b="0" dirty="0"/>
+              <a:t>接受到的</a:t>
+            </a:r>
+            <a:r>
+              <a:rPr lang="en-US" altLang="zh-CN" b="0" dirty="0"/>
+              <a:t>(Ri</a:t>
+            </a:r>
+            <a:r>
+              <a:rPr lang="zh-CN" altLang="en-US" b="0" dirty="0"/>
+              <a:t>为</a:t>
+            </a:r>
+            <a:r>
+              <a:rPr lang="en-US" altLang="zh-CN" b="0" dirty="0"/>
+              <a:t>S</a:t>
+            </a:r>
+            <a:r>
+              <a:rPr lang="zh-CN" altLang="en-US" b="0" dirty="0"/>
+              <a:t>的本地时钟</a:t>
+            </a:r>
+            <a:r>
+              <a:rPr lang="en-US" altLang="zh-CN" b="0" dirty="0"/>
+              <a:t>)</a:t>
+            </a:r>
+            <a:endParaRPr lang="en-US" altLang="zh-CN" b="0" dirty="0"/>
+          </a:p>
+          <a:p>
+            <a:r>
+              <a:rPr lang="en-US" altLang="zh-CN" b="0" dirty="0"/>
+              <a:t>S</a:t>
+            </a:r>
+            <a:r>
+              <a:rPr lang="zh-CN" altLang="en-US" b="0" dirty="0"/>
+              <a:t>节点估计</a:t>
+            </a:r>
+            <a:r>
+              <a:rPr lang="en-US" altLang="zh-CN" b="0" dirty="0"/>
+              <a:t>M</a:t>
+            </a:r>
+            <a:r>
+              <a:rPr lang="zh-CN" altLang="en-US" b="0" dirty="0"/>
+              <a:t>的时间为</a:t>
+            </a:r>
+            <a:r>
+              <a:rPr lang="en-US" altLang="zh-CN" b="0" dirty="0"/>
+              <a:t> </a:t>
+            </a:r>
             <a:endParaRPr lang="en-US" altLang="zh-CN" b="0" dirty="0"/>
           </a:p>
         </p:txBody>
@@ -1960,7 +2385,15 @@
           <a:bodyPr/>
           <a:lstStyle/>
           <a:p>
-            <a:endParaRPr lang="en-US" altLang="zh-CN" b="0" dirty="0"/>
+            <a:r>
+              <a:rPr lang="zh-CN" altLang="en-US" b="0" dirty="0"/>
+              <a:t>也有的平台对分布式网络的定义是如下</a:t>
+            </a:r>
+            <a:r>
+              <a:rPr lang="zh-CN" altLang="en-US" b="0" dirty="0"/>
+              <a:t>的：分布式网络是由分布在不同地点且具有多个终端的节点互连而成的。网中任一点均至少与两条线路相连，当任意一条线路发生故障时，通信可转经其他链路完成，具有较高的可靠性。同时，网络易于扩充。</a:t>
+            </a:r>
+            <a:endParaRPr lang="zh-CN" altLang="en-US" b="0" dirty="0"/>
           </a:p>
         </p:txBody>
       </p:sp>
@@ -2576,7 +3009,55 @@
           <a:bodyPr/>
           <a:lstStyle/>
           <a:p>
-            <a:endParaRPr lang="en-US" altLang="zh-CN" b="0" dirty="0"/>
+            <a:r>
+              <a:rPr lang="zh-CN" altLang="en-US" b="0" dirty="0"/>
+              <a:t>在军事领域</a:t>
+            </a:r>
+            <a:r>
+              <a:rPr lang="en-US" altLang="zh-CN" b="0" dirty="0"/>
+              <a:t> </a:t>
+            </a:r>
+            <a:r>
+              <a:rPr lang="zh-CN" altLang="en-US" b="0" dirty="0"/>
+              <a:t>在环境领域</a:t>
+            </a:r>
+            <a:r>
+              <a:rPr lang="en-US" altLang="zh-CN" b="0" dirty="0"/>
+              <a:t> </a:t>
+            </a:r>
+            <a:r>
+              <a:rPr lang="zh-CN" altLang="en-US" b="0" dirty="0"/>
+              <a:t>在民生领域</a:t>
+            </a:r>
+            <a:r>
+              <a:rPr lang="en-US" altLang="zh-CN" b="0" dirty="0"/>
+              <a:t> </a:t>
+            </a:r>
+            <a:r>
+              <a:rPr lang="zh-CN" altLang="en-US" b="0" dirty="0"/>
+              <a:t>在健康医疗领域</a:t>
+            </a:r>
+            <a:r>
+              <a:rPr lang="en-US" altLang="zh-CN" b="0" dirty="0"/>
+              <a:t> </a:t>
+            </a:r>
+            <a:r>
+              <a:rPr lang="zh-CN" altLang="en-US" b="0" dirty="0"/>
+              <a:t>在家庭和教育领域</a:t>
+            </a:r>
+            <a:r>
+              <a:rPr lang="en-US" altLang="zh-CN" b="0" dirty="0"/>
+              <a:t> </a:t>
+            </a:r>
+            <a:r>
+              <a:rPr lang="zh-CN" altLang="en-US" b="0" dirty="0"/>
+              <a:t>在科学</a:t>
+            </a:r>
+            <a:r>
+              <a:rPr lang="zh-CN" altLang="en-US" b="0" dirty="0"/>
+              <a:t>领域</a:t>
+            </a:r>
+            <a:endParaRPr lang="zh-CN" altLang="en-US" b="0" dirty="0"/>
           </a:p>
         </p:txBody>
       </p:sp>
@@ -3812,6 +4293,32 @@
           <a:bodyPr/>
           <a:lstStyle/>
           <a:p>
+            <a:r>
+              <a:rPr lang="en-US" altLang="zh-CN" b="0" dirty="0"/>
+              <a:t>集中式系统通常由一个中心节点或服务器管理和控制其他节点。在这样的系统中，时间同步可能不是严格必要的</a:t>
+            </a:r>
+            <a:endParaRPr lang="en-US" altLang="zh-CN" b="0" dirty="0"/>
+          </a:p>
+          <a:p>
+            <a:r>
+              <a:rPr lang="en-US" altLang="zh-CN" b="0" dirty="0"/>
+              <a:t>虽然集中式系统中时间同步并非总是严格必要的，但在某些场景下，如金融交易系统等对时间戳精确度要求很高的情况下，依然需要进行时间同步，以确保整个系统在同一时间标准下运行。</a:t>
+            </a:r>
+            <a:endParaRPr lang="en-US" altLang="zh-CN" b="0" dirty="0"/>
+          </a:p>
+          <a:p>
+            <a:endParaRPr lang="en-US" altLang="zh-CN" b="0" dirty="0"/>
+          </a:p>
+          <a:p>
+            <a:endParaRPr lang="en-US" altLang="zh-CN" b="0" dirty="0"/>
+          </a:p>
+          <a:p>
+            <a:endParaRPr lang="en-US" altLang="zh-CN" b="0" dirty="0"/>
+          </a:p>
+          <a:p>
+            <a:endParaRPr lang="en-US" altLang="zh-CN" b="0" dirty="0"/>
+          </a:p>
+          <a:p>
             <a:endParaRPr lang="en-US" altLang="zh-CN" b="0" dirty="0"/>
           </a:p>
         </p:txBody>
@@ -4208,7 +4715,26 @@
           <a:bodyPr/>
           <a:lstStyle/>
           <a:p>
+            <a:r>
+              <a:rPr lang="en-US" altLang="zh-CN" b="0" dirty="0"/>
+              <a:t>UTC是世界标准时间 用于作为全球时间标准的参考。它是基于原子钟测量的时间，以确保全球的时间一致性</a:t>
+            </a:r>
             <a:endParaRPr lang="en-US" altLang="zh-CN" b="0" dirty="0"/>
+          </a:p>
+          <a:p>
+            <a:r>
+              <a:rPr lang="en-US" altLang="zh-CN" b="0" dirty="0"/>
+              <a:t>UTC</a:t>
+            </a:r>
+            <a:r>
+              <a:rPr lang="zh-CN" altLang="en-US" b="0" dirty="0"/>
+              <a:t>其实和格林尼治时间是几乎</a:t>
+            </a:r>
+            <a:r>
+              <a:rPr lang="zh-CN" altLang="en-US" b="0" dirty="0"/>
+              <a:t>相同</a:t>
+            </a:r>
+            <a:endParaRPr lang="zh-CN" altLang="en-US" b="0" dirty="0"/>
           </a:p>
         </p:txBody>
       </p:sp>
@@ -9141,7 +9667,7 @@
         </p:blipFill>
         <p:spPr>
           <a:xfrm>
-            <a:off x="772160" y="2440940"/>
+            <a:off x="97790" y="2440940"/>
             <a:ext cx="8512810" cy="2744470"/>
           </a:xfrm>
           <a:prstGeom prst="rect">
@@ -9161,7 +9687,7 @@
         </p:nvSpPr>
         <p:spPr>
           <a:xfrm>
-            <a:off x="3968115" y="5652770"/>
+            <a:off x="2078355" y="5347970"/>
             <a:ext cx="4064000" cy="275590"/>
           </a:xfrm>
           <a:prstGeom prst="rect">
@@ -9206,7 +9732,7 @@
         </p:nvSpPr>
         <p:spPr>
           <a:xfrm>
-            <a:off x="8358505" y="2633345"/>
+            <a:off x="7706995" y="2633345"/>
             <a:ext cx="5283200" cy="275590"/>
           </a:xfrm>
           <a:prstGeom prst="rect">
@@ -9259,7 +9785,7 @@
         </p:nvSpPr>
         <p:spPr>
           <a:xfrm>
-            <a:off x="8425180" y="2939415"/>
+            <a:off x="7762875" y="2939415"/>
             <a:ext cx="6096000" cy="275590"/>
           </a:xfrm>
           <a:prstGeom prst="rect">
@@ -9292,7 +9818,7 @@
         </p:nvSpPr>
         <p:spPr>
           <a:xfrm>
-            <a:off x="9074785" y="3221355"/>
+            <a:off x="8332470" y="3221355"/>
             <a:ext cx="3846830" cy="598170"/>
           </a:xfrm>
           <a:prstGeom prst="rect">
@@ -9377,8 +9903,8 @@
         </p:nvSpPr>
         <p:spPr>
           <a:xfrm>
-            <a:off x="8864600" y="3825875"/>
-            <a:ext cx="5851525" cy="866775"/>
+            <a:off x="8332470" y="3773170"/>
+            <a:ext cx="3707765" cy="866775"/>
           </a:xfrm>
           <a:prstGeom prst="rect">
             <a:avLst/>
@@ -9439,7 +9965,23 @@
           <a:p>
             <a:r>
               <a:rPr lang="zh-CN" altLang="en-US" sz="1200"/>
-              <a:t>如果偏斜以p为界，那么根据等式1，时钟值可以以1-p到1+p的范围内的速率发散。</a:t>
+              <a:t>如果偏斜以p为界，那么根据等式1，时钟值可以以1-</a:t>
+            </a:r>
+            <a:r>
+              <a:rPr lang="en-US" altLang="zh-CN" sz="1200"/>
+              <a:t>ρ</a:t>
+            </a:r>
+            <a:r>
+              <a:rPr lang="zh-CN" altLang="en-US" sz="1200"/>
+              <a:t>到1+</a:t>
+            </a:r>
+            <a:r>
+              <a:rPr lang="en-US" altLang="zh-CN" sz="1200"/>
+              <a:t>ρ</a:t>
+            </a:r>
+            <a:r>
+              <a:rPr lang="zh-CN" altLang="en-US" sz="1200"/>
+              <a:t>的范围内的速率发散。</a:t>
             </a:r>
             <a:endParaRPr lang="en-US" altLang="zh-CN" sz="1200"/>
           </a:p>
@@ -9453,7 +9995,7 @@
         </p:nvSpPr>
         <p:spPr>
           <a:xfrm>
-            <a:off x="7762875" y="4857750"/>
+            <a:off x="5384800" y="4857750"/>
             <a:ext cx="6096000" cy="460375"/>
           </a:xfrm>
           <a:prstGeom prst="rect">
@@ -9472,7 +10014,7 @@
             </a:r>
             <a:r>
               <a:rPr lang="en-US" altLang="zh-CN" sz="1200"/>
-              <a:t>’’(</a:t>
+              <a:t>a’’(</a:t>
             </a:r>
             <a:r>
               <a:rPr lang="zh-CN" altLang="en-US" sz="1200"/>
@@ -10228,7 +10770,15 @@
           <a:p>
             <a:r>
               <a:rPr lang="zh-CN" altLang="en-US"/>
-              <a:t>其中常数q是制造商指定的最大歪斜率</a:t>
+              <a:t>其中常数</a:t>
+            </a:r>
+            <a:r>
+              <a:rPr lang="en-US" altLang="zh-CN"/>
+              <a:t>ρ</a:t>
+            </a:r>
+            <a:r>
+              <a:rPr lang="zh-CN" altLang="en-US"/>
+              <a:t>是制造商指定的最大歪斜率</a:t>
             </a:r>
             <a:endParaRPr lang="zh-CN" altLang="en-US"/>
           </a:p>
@@ -10945,8 +11495,8 @@
         </p:nvSpPr>
         <p:spPr>
           <a:xfrm>
-            <a:off x="9110345" y="3274060"/>
-            <a:ext cx="6096000" cy="460375"/>
+            <a:off x="9344025" y="3116580"/>
+            <a:ext cx="3068320" cy="829945"/>
           </a:xfrm>
           <a:prstGeom prst="rect">
             <a:avLst/>
@@ -10960,7 +11510,11 @@
           <a:p>
             <a:r>
               <a:rPr lang="zh-CN" altLang="en-US" sz="1200"/>
-              <a:t>当同步两个节点时，每个节点必须能够估计另一个节点时钟上的本地时间。由于分布式系统中节点之间的不确定性消息延迟，这不是一个微不足道的问题。</a:t>
+              <a:t>当同步两个节点时，每个节点必须能够估计另一个节点时钟上的本地时间。由于分布式系统中节点之间的不确定性消息延迟，所以这也是一个待解决的</a:t>
+            </a:r>
+            <a:r>
+              <a:rPr lang="zh-CN" altLang="en-US" sz="1200"/>
+              <a:t>问题。</a:t>
             </a:r>
             <a:endParaRPr lang="zh-CN" altLang="en-US" sz="1200"/>
           </a:p>
@@ -10974,7 +11528,7 @@
         </p:nvSpPr>
         <p:spPr>
           <a:xfrm>
-            <a:off x="6687185" y="3946525"/>
+            <a:off x="5511800" y="3946525"/>
             <a:ext cx="6096000" cy="275590"/>
           </a:xfrm>
           <a:prstGeom prst="rect">
@@ -15849,7 +16403,23 @@
             </a:r>
             <a:r>
               <a:rPr lang="zh-CN" altLang="en-US" sz="2000"/>
-              <a:t>T4。如果A到B和B到A的网络时延不同，可以说差分延迟很小，则在T4时刻B相对于A的时钟偏移量h和往返延迟d近似为下式。</a:t>
+              <a:t>T4。如果A到B和B到A的网络时延不同，可以说差分延迟很小，则在T4时刻B相对于A的时钟偏移量</a:t>
+            </a:r>
+            <a:r>
+              <a:rPr lang="en-US" altLang="zh-CN" sz="2000"/>
+              <a:t>θ</a:t>
+            </a:r>
+            <a:r>
+              <a:rPr lang="zh-CN" altLang="en-US" sz="2000"/>
+              <a:t>和往返延迟</a:t>
+            </a:r>
+            <a:r>
+              <a:rPr lang="en-US" altLang="zh-CN" sz="2000"/>
+              <a:t>δ</a:t>
+            </a:r>
+            <a:r>
+              <a:rPr lang="zh-CN" altLang="en-US" sz="2000"/>
+              <a:t>近似为下式。</a:t>
             </a:r>
             <a:endParaRPr lang="zh-CN" altLang="en-US" sz="2000"/>
           </a:p>
@@ -17115,7 +17685,7 @@
         <p:spPr>
           <a:xfrm>
             <a:off x="741246" y="1459715"/>
-            <a:ext cx="10739553" cy="1753235"/>
+            <a:ext cx="10739553" cy="3046095"/>
           </a:xfrm>
           <a:prstGeom prst="rect">
             <a:avLst/>
@@ -17129,7 +17699,7 @@
           <a:lstStyle/>
           <a:p>
             <a:r>
-              <a:rPr lang="en-US" altLang="zh-CN" dirty="0">
+              <a:rPr lang="en-US" altLang="zh-CN" sz="2400" dirty="0">
                 <a:solidFill>
                   <a:schemeClr val="tx1"/>
                 </a:solidFill>
@@ -17138,18 +17708,18 @@
               <a:t>微机电(MEMS)技术</a:t>
             </a:r>
             <a:r>
-              <a:rPr lang="en-US" altLang="zh-CN" dirty="0">
+              <a:rPr lang="en-US" altLang="zh-CN" sz="2400" dirty="0">
                 <a:latin typeface="+mn-ea"/>
               </a:rPr>
               <a:t>的最新进展导致了小型，低成本和低功耗传感器的发展。无线传感器网络(WSN)是由此类传感器组成的大规模网络，致力于观察和监控物理世界的各个方面。在这种网络中，来自每个传感器的数据使用数据融合来聚集形成一个有意义的结果，这使得传感器之间的时间同步非常需要。本文基于精度、准确性、成本和复杂性等因素调查和评估了现有的时钟同步协议。这里介绍的设计注意事项可以帮助开发人员选择现有的同步协议或定义最适合传感器网络应用程序特定需求的新协议。最后，该调查提供了一个有价值的框架，通过该框架，设计人员可以比较新的和现有的同步协议</a:t>
             </a:r>
             <a:r>
-              <a:rPr lang="zh-CN" altLang="en-US" dirty="0">
+              <a:rPr lang="zh-CN" altLang="en-US" sz="2400" dirty="0">
                 <a:latin typeface="+mn-ea"/>
               </a:rPr>
               <a:t>。</a:t>
             </a:r>
-            <a:endParaRPr lang="zh-CN" altLang="en-US" dirty="0">
+            <a:endParaRPr lang="zh-CN" altLang="en-US" sz="2400" dirty="0">
               <a:latin typeface="+mn-ea"/>
             </a:endParaRPr>
           </a:p>
@@ -23965,7 +24535,7 @@
                 <a:ea typeface="微软雅黑" panose="020B0503020204020204" charset="-122"/>
                 <a:cs typeface="微软雅黑" panose="020B0503020204020204" charset="-122"/>
               </a:rPr>
-              <a:t>介绍</a:t>
+              <a:t>引言</a:t>
             </a:r>
             <a:endParaRPr lang="zh-CN" altLang="en-US" sz="2800">
               <a:solidFill>
@@ -31560,7 +32130,7 @@
                 <a:ea typeface="微软雅黑" panose="020B0503020204020204" charset="-122"/>
                 <a:cs typeface="微软雅黑" panose="020B0503020204020204" charset="-122"/>
               </a:rPr>
-              <a:t>介绍</a:t>
+              <a:t>引言</a:t>
             </a:r>
             <a:endParaRPr lang="zh-CN" altLang="en-US" sz="2800">
               <a:solidFill>
@@ -31593,7 +32163,7 @@
         </p:blipFill>
         <p:spPr>
           <a:xfrm>
-            <a:off x="1435100" y="1576705"/>
+            <a:off x="677545" y="1576705"/>
             <a:ext cx="8848090" cy="3858895"/>
           </a:xfrm>
           <a:prstGeom prst="rect">
@@ -31644,7 +32214,7 @@
         </p:nvSpPr>
         <p:spPr>
           <a:xfrm>
-            <a:off x="10010140" y="2313305"/>
+            <a:off x="9087485" y="2313305"/>
             <a:ext cx="3602355" cy="357505"/>
           </a:xfrm>
           <a:prstGeom prst="rect">
@@ -31673,7 +32243,7 @@
         </p:nvSpPr>
         <p:spPr>
           <a:xfrm>
-            <a:off x="8864600" y="2536825"/>
+            <a:off x="7971155" y="2537460"/>
             <a:ext cx="6096000" cy="275590"/>
           </a:xfrm>
           <a:prstGeom prst="rect">
@@ -31702,7 +32272,7 @@
         </p:nvSpPr>
         <p:spPr>
           <a:xfrm>
-            <a:off x="7788910" y="2731770"/>
+            <a:off x="7031355" y="2731770"/>
             <a:ext cx="6096000" cy="275590"/>
           </a:xfrm>
           <a:prstGeom prst="rect">
@@ -31731,7 +32301,7 @@
         </p:nvSpPr>
         <p:spPr>
           <a:xfrm>
-            <a:off x="8425180" y="2969260"/>
+            <a:off x="7580630" y="2946400"/>
             <a:ext cx="6096000" cy="275590"/>
           </a:xfrm>
           <a:prstGeom prst="rect">
@@ -31760,7 +32330,7 @@
         </p:nvSpPr>
         <p:spPr>
           <a:xfrm>
-            <a:off x="7153275" y="3153410"/>
+            <a:off x="6395720" y="3153410"/>
             <a:ext cx="6096000" cy="275590"/>
           </a:xfrm>
           <a:prstGeom prst="rect">
@@ -31789,7 +32359,7 @@
         </p:nvSpPr>
         <p:spPr>
           <a:xfrm>
-            <a:off x="9818370" y="3429000"/>
+            <a:off x="8973820" y="3429000"/>
             <a:ext cx="6096000" cy="275590"/>
           </a:xfrm>
           <a:prstGeom prst="rect">
@@ -31818,7 +32388,7 @@
         </p:nvSpPr>
         <p:spPr>
           <a:xfrm>
-            <a:off x="9512300" y="3662045"/>
+            <a:off x="8610600" y="3642360"/>
             <a:ext cx="6096000" cy="275590"/>
           </a:xfrm>
           <a:prstGeom prst="rect">
@@ -31847,7 +32417,7 @@
         </p:nvSpPr>
         <p:spPr>
           <a:xfrm>
-            <a:off x="7516495" y="3911600"/>
+            <a:off x="6758940" y="3911600"/>
             <a:ext cx="6096000" cy="275590"/>
           </a:xfrm>
           <a:prstGeom prst="rect">
@@ -31876,7 +32446,7 @@
         </p:nvSpPr>
         <p:spPr>
           <a:xfrm>
-            <a:off x="9250045" y="4170680"/>
+            <a:off x="8425180" y="4126230"/>
             <a:ext cx="6096000" cy="275590"/>
           </a:xfrm>
           <a:prstGeom prst="rect">
@@ -31905,7 +32475,7 @@
         </p:nvSpPr>
         <p:spPr>
           <a:xfrm>
-            <a:off x="7684135" y="4573905"/>
+            <a:off x="6926580" y="4573905"/>
             <a:ext cx="6096000" cy="275590"/>
           </a:xfrm>
           <a:prstGeom prst="rect">
@@ -31920,7 +32490,7 @@
           <a:p>
             <a:r>
               <a:rPr lang="zh-CN" altLang="en-US" sz="1200"/>
-              <a:t>智能家庭和智能幼儿园，其中无线网络用于发展，解决问题的环境</a:t>
+              <a:t>智能家庭和智能幼儿园</a:t>
             </a:r>
             <a:endParaRPr lang="zh-CN" altLang="en-US" sz="1200"/>
           </a:p>
@@ -31934,7 +32504,7 @@
         </p:nvSpPr>
         <p:spPr>
           <a:xfrm>
-            <a:off x="8425180" y="4853940"/>
+            <a:off x="7580630" y="4823460"/>
             <a:ext cx="6096000" cy="275590"/>
           </a:xfrm>
           <a:prstGeom prst="rect">
@@ -31963,7 +32533,7 @@
         </p:nvSpPr>
         <p:spPr>
           <a:xfrm>
-            <a:off x="8864600" y="5073015"/>
+            <a:off x="8096885" y="4999355"/>
             <a:ext cx="6096000" cy="275590"/>
           </a:xfrm>
           <a:prstGeom prst="rect">
@@ -39430,7 +40000,7 @@
                 <a:ea typeface="微软雅黑" panose="020B0503020204020204" charset="-122"/>
                 <a:cs typeface="微软雅黑" panose="020B0503020204020204" charset="-122"/>
               </a:rPr>
-              <a:t>介绍</a:t>
+              <a:t>引言</a:t>
             </a:r>
             <a:endParaRPr lang="zh-CN" altLang="en-US" sz="2800">
               <a:solidFill>
@@ -50529,7 +51099,7 @@
         <p:spPr>
           <a:xfrm>
             <a:off x="1071245" y="1689100"/>
-            <a:ext cx="10409555" cy="3138170"/>
+            <a:ext cx="10409555" cy="3784600"/>
           </a:xfrm>
           <a:prstGeom prst="rect">
             <a:avLst/>
@@ -50542,13 +51112,13 @@
           </a:bodyPr>
           <a:p>
             <a:r>
-              <a:rPr lang="zh-CN" altLang="en-US"/>
+              <a:rPr lang="zh-CN" altLang="en-US" sz="2000"/>
               <a:t>下面列出了一些强调同步需求的实际示例。</a:t>
             </a:r>
-            <a:endParaRPr lang="zh-CN" altLang="en-US"/>
-          </a:p>
-          <a:p>
-            <a:endParaRPr lang="zh-CN" altLang="en-US"/>
+            <a:endParaRPr lang="zh-CN" altLang="en-US" sz="2000"/>
+          </a:p>
+          <a:p>
+            <a:endParaRPr lang="zh-CN" altLang="en-US" sz="2000"/>
           </a:p>
           <a:p>
             <a:pPr marL="285750" indent="-285750">
@@ -50556,17 +51126,17 @@
               <a:buChar char="•"/>
             </a:pPr>
             <a:r>
-              <a:rPr lang="zh-CN" altLang="en-US"/>
+              <a:rPr lang="zh-CN" altLang="en-US" sz="2000"/>
               <a:t>在数据库系统中，进程对数据库执行更新的顺序对于确保数据库的一致性和正确性非常重要。为了确保事件的正确顺序，协作进程之间的时间概念变得非常重要</a:t>
             </a:r>
-            <a:endParaRPr lang="zh-CN" altLang="en-US"/>
+            <a:endParaRPr lang="zh-CN" altLang="en-US" sz="2000"/>
           </a:p>
           <a:p>
             <a:pPr marL="285750" indent="-285750">
               <a:buFont typeface="Arial" panose="020B0604020202020204" pitchFamily="34" charset="0"/>
               <a:buChar char="•"/>
             </a:pPr>
-            <a:endParaRPr lang="zh-CN" altLang="en-US"/>
+            <a:endParaRPr lang="zh-CN" altLang="en-US" sz="2000"/>
           </a:p>
           <a:p>
             <a:pPr marL="285750" indent="-285750">
@@ -50574,17 +51144,17 @@
               <a:buChar char="•"/>
             </a:pPr>
             <a:r>
-              <a:rPr lang="zh-CN" altLang="en-US"/>
+              <a:rPr lang="zh-CN" altLang="en-US" sz="2000"/>
               <a:t>时钟同步通过用本地计算取代通信来提高分布式算法的性能。当节点N需要向节点M查询某项属性时，它可以利用之前掌握的关于节点M的一些信息以及对节点M的当地时间的了解，推断出该属性。</a:t>
             </a:r>
-            <a:endParaRPr lang="zh-CN" altLang="en-US"/>
+            <a:endParaRPr lang="zh-CN" altLang="en-US" sz="2000"/>
           </a:p>
           <a:p>
             <a:pPr marL="285750" indent="-285750">
               <a:buFont typeface="Arial" panose="020B0604020202020204" pitchFamily="34" charset="0"/>
               <a:buChar char="•"/>
             </a:pPr>
-            <a:endParaRPr lang="zh-CN" altLang="en-US"/>
+            <a:endParaRPr lang="zh-CN" altLang="en-US" sz="2000"/>
           </a:p>
           <a:p>
             <a:pPr marL="285750" indent="-285750">
@@ -50592,17 +51162,17 @@
               <a:buChar char="•"/>
             </a:pPr>
             <a:r>
-              <a:rPr lang="zh-CN" altLang="en-US"/>
+              <a:rPr lang="zh-CN" altLang="en-US" sz="2000"/>
               <a:t>分布式应用程序和网络协议使用超时是很常见的，它们的性能取决于物理上分散的处理器的时间同步程度。</a:t>
             </a:r>
-            <a:endParaRPr lang="zh-CN" altLang="en-US"/>
+            <a:endParaRPr lang="zh-CN" altLang="en-US" sz="2000"/>
           </a:p>
           <a:p>
             <a:pPr marL="285750" indent="-285750">
               <a:buFont typeface="Arial" panose="020B0604020202020204" pitchFamily="34" charset="0"/>
               <a:buChar char="•"/>
             </a:pPr>
-            <a:endParaRPr lang="zh-CN" altLang="en-US"/>
+            <a:endParaRPr lang="zh-CN" altLang="en-US" sz="2000"/>
           </a:p>
         </p:txBody>
       </p:sp>
@@ -51130,7 +51700,7 @@
         <p:spPr>
           <a:xfrm>
             <a:off x="1071245" y="1689100"/>
-            <a:ext cx="10409555" cy="3138170"/>
+            <a:ext cx="10409555" cy="3784600"/>
           </a:xfrm>
           <a:prstGeom prst="rect">
             <a:avLst/>
@@ -51143,11 +51713,11 @@
           </a:bodyPr>
           <a:p>
             <a:r>
-              <a:rPr lang="zh-CN" altLang="en-US"/>
+              <a:rPr lang="zh-CN" altLang="en-US" sz="2000"/>
               <a:t>在分布式系统中，每台机器都有自己的物理时钟，我们已经看到时钟同步非常重要。在深入研究同步时钟的细节之前，我们先定义</a:t>
             </a:r>
             <a:r>
-              <a:rPr lang="zh-CN" altLang="en-US">
+              <a:rPr lang="zh-CN" altLang="en-US" sz="2000">
                 <a:solidFill>
                   <a:srgbClr val="C00000"/>
                 </a:solidFill>
@@ -51155,18 +51725,18 @@
               <a:t>时钟</a:t>
             </a:r>
             <a:r>
-              <a:rPr lang="zh-CN" altLang="en-US"/>
+              <a:rPr lang="zh-CN" altLang="en-US" sz="2000"/>
               <a:t>的概念。</a:t>
             </a:r>
-            <a:endParaRPr lang="zh-CN" altLang="en-US"/>
-          </a:p>
-          <a:p>
-            <a:r>
-              <a:rPr lang="zh-CN" altLang="en-US"/>
+            <a:endParaRPr lang="zh-CN" altLang="en-US" sz="2000"/>
+          </a:p>
+          <a:p>
+            <a:r>
+              <a:rPr lang="zh-CN" altLang="en-US" sz="2000"/>
               <a:t>计算机时钟是一种电子设备，它可以计算精确加工的石英晶体在特定频率下的振荡。它还被定义为硬件和软件组件的集合，用于向操作系统及其客户端提供准确、稳定和可靠的时间功能。计算机时钟本质上是计时器。对于晶体的每一次振荡，计数器减1。当计数器变为零时，将产生中断，并从保持寄存器中重新加载计数器。因此，通过在保持寄存器中设置适当的值，可以对计时器进行编程，使其每分钟产生60次中断，其中每个中断称为</a:t>
             </a:r>
             <a:r>
-              <a:rPr lang="zh-CN" altLang="en-US">
+              <a:rPr lang="zh-CN" altLang="en-US" sz="2000">
                 <a:solidFill>
                   <a:srgbClr val="C00000"/>
                 </a:solidFill>
@@ -51174,21 +51744,21 @@
               <a:t>时钟滴答</a:t>
             </a:r>
             <a:r>
-              <a:rPr lang="zh-CN" altLang="en-US"/>
+              <a:rPr lang="zh-CN" altLang="en-US" sz="2000"/>
               <a:t>。</a:t>
             </a:r>
-            <a:endParaRPr lang="zh-CN" altLang="en-US"/>
-          </a:p>
-          <a:p>
-            <a:endParaRPr lang="zh-CN" altLang="en-US"/>
-          </a:p>
-          <a:p>
-            <a:r>
-              <a:rPr lang="zh-CN" altLang="en-US"/>
+            <a:endParaRPr lang="zh-CN" altLang="en-US" sz="2000"/>
+          </a:p>
+          <a:p>
+            <a:endParaRPr lang="zh-CN" altLang="en-US" sz="2000"/>
+          </a:p>
+          <a:p>
+            <a:r>
+              <a:rPr lang="zh-CN" altLang="en-US" sz="2000"/>
               <a:t>时钟值可以缩放以获得一天中的时间;结果可用于该计算机上的事件的时间戳。实际上，在分布式系统中，每台机器中的石英晶体将以略有不同的频率运行，导致时钟值逐渐彼此偏离。这种分歧在形式上被称为</a:t>
             </a:r>
             <a:r>
-              <a:rPr lang="zh-CN" altLang="en-US">
+              <a:rPr lang="zh-CN" altLang="en-US" sz="2000">
                 <a:solidFill>
                   <a:srgbClr val="C00000"/>
                 </a:solidFill>
@@ -51196,10 +51766,10 @@
               <a:t>时钟偏差</a:t>
             </a:r>
             <a:r>
-              <a:rPr lang="zh-CN" altLang="en-US"/>
+              <a:rPr lang="zh-CN" altLang="en-US" sz="2000"/>
               <a:t>，它会导致时间观念的不一致。在分布式系统中，时钟同步是为了纠正这种时钟偏差。</a:t>
             </a:r>
-            <a:endParaRPr lang="zh-CN" altLang="en-US"/>
+            <a:endParaRPr lang="zh-CN" altLang="en-US" sz="2000"/>
           </a:p>
         </p:txBody>
       </p:sp>
@@ -51727,7 +52297,7 @@
         <p:spPr>
           <a:xfrm>
             <a:off x="1071245" y="1689100"/>
-            <a:ext cx="10409555" cy="2306955"/>
+            <a:ext cx="10409555" cy="3784600"/>
           </a:xfrm>
           <a:prstGeom prst="rect">
             <a:avLst/>
@@ -51740,10 +52310,10 @@
           </a:bodyPr>
           <a:p>
             <a:r>
-              <a:rPr lang="zh-CN" altLang="en-US"/>
+              <a:rPr lang="zh-CN" altLang="en-US" sz="2400"/>
               <a:t>有两种方法可以实现这一目标：</a:t>
             </a:r>
-            <a:endParaRPr lang="zh-CN" altLang="en-US"/>
+            <a:endParaRPr lang="zh-CN" altLang="en-US" sz="2400"/>
           </a:p>
           <a:p>
             <a:pPr marL="285750" indent="-285750">
@@ -51751,11 +52321,11 @@
               <a:buChar char="•"/>
             </a:pPr>
             <a:r>
-              <a:rPr lang="zh-CN" altLang="en-US"/>
+              <a:rPr lang="zh-CN" altLang="en-US" sz="2400"/>
               <a:t>时钟同步到一个精确的实时标准，如通用协调时间(UTC)。不仅彼此必须同步而且必须遵守物理时间的时钟称为</a:t>
             </a:r>
             <a:r>
-              <a:rPr lang="zh-CN" altLang="en-US">
+              <a:rPr lang="zh-CN" altLang="en-US" sz="2400">
                 <a:solidFill>
                   <a:srgbClr val="C00000"/>
                 </a:solidFill>
@@ -51763,10 +52333,10 @@
               <a:t>物理时钟</a:t>
             </a:r>
             <a:r>
-              <a:rPr lang="zh-CN" altLang="en-US"/>
+              <a:rPr lang="zh-CN" altLang="en-US" sz="2400"/>
               <a:t>。这类时钟就是本文的主题。</a:t>
             </a:r>
-            <a:endParaRPr lang="zh-CN" altLang="en-US"/>
+            <a:endParaRPr lang="zh-CN" altLang="en-US" sz="2400"/>
           </a:p>
           <a:p>
             <a:pPr marL="285750" indent="-285750">
@@ -51774,17 +52344,17 @@
               <a:buChar char="•"/>
             </a:pPr>
             <a:r>
-              <a:rPr lang="zh-CN" altLang="en-US"/>
+              <a:rPr lang="zh-CN" altLang="en-US" sz="2400"/>
               <a:t>对于基于因果关系的逻辑时间可以代替实时的应用程序(例如，互斥只要求没有两个进程同时访问临界段的逻辑条件)，时钟彼此相对同步，因为要求只是提供事件的顺序，而不是每个事件发生的确切真实时间。对于只提供相对同步性的时钟，只有基于因果关系的时钟一致性才重要，而与物理时间的同步性相反。这种时钟用(基于因果关系的)逻辑时钟来表示。本文将不考虑同步这样的时钟。</a:t>
             </a:r>
-            <a:endParaRPr lang="zh-CN" altLang="en-US"/>
+            <a:endParaRPr lang="zh-CN" altLang="en-US" sz="2400"/>
           </a:p>
           <a:p>
             <a:pPr marL="285750" indent="-285750">
               <a:buFont typeface="Arial" panose="020B0604020202020204" pitchFamily="34" charset="0"/>
               <a:buChar char="•"/>
             </a:pPr>
-            <a:endParaRPr lang="zh-CN" altLang="en-US"/>
+            <a:endParaRPr lang="zh-CN" altLang="en-US" sz="2400"/>
           </a:p>
         </p:txBody>
       </p:sp>
